--- a/Projekt Diagramme/19 Präsentation und Demo TODO.pptx
+++ b/Projekt Diagramme/19 Präsentation und Demo TODO.pptx
@@ -2,10 +2,10 @@
 <file path=ppt/presentation.xml><?xml version="1.0" encoding="utf-8"?>
 <p:presentation xmlns:a="http://schemas.openxmlformats.org/drawingml/2006/main" xmlns:r="http://schemas.openxmlformats.org/officeDocument/2006/relationships" xmlns:p="http://schemas.openxmlformats.org/presentationml/2006/main" saveSubsetFonts="1">
   <p:sldMasterIdLst>
-    <p:sldMasterId id="2147483708" r:id="rId1"/>
+    <p:sldMasterId id="2147483720" r:id="rId1"/>
   </p:sldMasterIdLst>
   <p:notesMasterIdLst>
-    <p:notesMasterId r:id="rId9"/>
+    <p:notesMasterId r:id="rId10"/>
   </p:notesMasterIdLst>
   <p:sldIdLst>
     <p:sldId id="256" r:id="rId2"/>
@@ -14,7 +14,8 @@
     <p:sldId id="259" r:id="rId5"/>
     <p:sldId id="260" r:id="rId6"/>
     <p:sldId id="263" r:id="rId7"/>
-    <p:sldId id="262" r:id="rId8"/>
+    <p:sldId id="264" r:id="rId8"/>
+    <p:sldId id="262" r:id="rId9"/>
   </p:sldIdLst>
   <p:sldSz cx="12192000" cy="6858000"/>
   <p:notesSz cx="6858000" cy="9144000"/>
@@ -113,6 +114,11 @@
       </a:defRPr>
     </a:lvl9pPr>
   </p:defaultTextStyle>
+  <p:extLst>
+    <p:ext uri="{EFAFB233-063F-42B5-8137-9DF3F51BA10A}">
+      <p15:sldGuideLst xmlns:p15="http://schemas.microsoft.com/office/powerpoint/2012/main"/>
+    </p:ext>
+  </p:extLst>
 </p:presentation>
 </file>
 
@@ -224,7 +230,7 @@
           <a:p>
             <a:fld id="{9D456CA8-7480-431E-ABFB-E3BF5C2DC26D}" type="datetimeFigureOut">
               <a:rPr lang="en-US" smtClean="0"/>
-              <a:t>6/26/2019</a:t>
+              <a:t>6/27/2019</a:t>
             </a:fld>
             <a:endParaRPr lang="en-US"/>
           </a:p>
@@ -1766,47 +1772,550 @@
           <a:p>
             <a:r>
               <a:rPr lang="en-US" dirty="0"/>
+              <a:t>Single Responsibility</a:t>
+            </a:r>
+          </a:p>
+          <a:p>
+            <a:r>
+              <a:rPr lang="en-US" dirty="0"/>
+              <a:t>	</a:t>
+            </a:r>
+            <a:r>
+              <a:rPr lang="en-US" dirty="0" err="1"/>
+              <a:t>jede</a:t>
+            </a:r>
+            <a:r>
+              <a:rPr lang="en-US" dirty="0"/>
+              <a:t> </a:t>
+            </a:r>
+            <a:r>
+              <a:rPr lang="en-US" dirty="0" err="1"/>
+              <a:t>Klasse</a:t>
+            </a:r>
+            <a:r>
+              <a:rPr lang="en-US" dirty="0"/>
+              <a:t> </a:t>
+            </a:r>
+            <a:r>
+              <a:rPr lang="en-US" dirty="0" err="1"/>
+              <a:t>nur</a:t>
+            </a:r>
+            <a:r>
+              <a:rPr lang="en-US" dirty="0"/>
+              <a:t> </a:t>
+            </a:r>
+            <a:r>
+              <a:rPr lang="en-US" dirty="0" err="1"/>
+              <a:t>eine</a:t>
+            </a:r>
+            <a:r>
+              <a:rPr lang="en-US" dirty="0"/>
+              <a:t> </a:t>
+            </a:r>
+            <a:r>
+              <a:rPr lang="en-US" dirty="0" err="1"/>
+              <a:t>Verantworklichkeit</a:t>
+            </a:r>
+            <a:r>
+              <a:rPr lang="en-US" dirty="0"/>
+              <a:t>. </a:t>
+            </a:r>
+          </a:p>
+          <a:p>
+            <a:r>
+              <a:rPr lang="en-US" dirty="0"/>
+              <a:t>	-&gt; </a:t>
+            </a:r>
+            <a:r>
+              <a:rPr lang="en-US" dirty="0" err="1"/>
+              <a:t>bei</a:t>
+            </a:r>
+            <a:r>
+              <a:rPr lang="en-US" dirty="0"/>
+              <a:t> </a:t>
+            </a:r>
+            <a:r>
+              <a:rPr lang="en-US" dirty="0" err="1"/>
+              <a:t>uns</a:t>
+            </a:r>
+            <a:r>
+              <a:rPr lang="en-US" dirty="0"/>
+              <a:t> </a:t>
+            </a:r>
+            <a:r>
+              <a:rPr lang="en-US" dirty="0" err="1"/>
+              <a:t>starke</a:t>
+            </a:r>
+            <a:r>
+              <a:rPr lang="en-US" dirty="0"/>
+              <a:t> </a:t>
+            </a:r>
+            <a:r>
+              <a:rPr lang="en-US" dirty="0" err="1"/>
+              <a:t>unterteilung</a:t>
+            </a:r>
+            <a:r>
+              <a:rPr lang="en-US" dirty="0"/>
+              <a:t>.</a:t>
+            </a:r>
+          </a:p>
+          <a:p>
+            <a:r>
+              <a:rPr lang="en-US" dirty="0"/>
+              <a:t>	</a:t>
+            </a:r>
+            <a:r>
+              <a:rPr lang="en-US" dirty="0" err="1"/>
+              <a:t>z.b</a:t>
+            </a:r>
+            <a:r>
+              <a:rPr lang="en-US" dirty="0"/>
+              <a:t>. </a:t>
+            </a:r>
+            <a:r>
+              <a:rPr lang="en-US" dirty="0" err="1"/>
+              <a:t>Parkhaus</a:t>
+            </a:r>
+            <a:r>
+              <a:rPr lang="en-US" dirty="0"/>
+              <a:t> hat </a:t>
+            </a:r>
+            <a:r>
+              <a:rPr lang="en-US" dirty="0" err="1"/>
+              <a:t>eine</a:t>
+            </a:r>
+            <a:r>
+              <a:rPr lang="en-US" dirty="0"/>
+              <a:t> </a:t>
+            </a:r>
+            <a:r>
+              <a:rPr lang="en-US" dirty="0" err="1"/>
+              <a:t>Schranke</a:t>
+            </a:r>
+            <a:r>
+              <a:rPr lang="en-US" dirty="0"/>
+              <a:t> die das </a:t>
+            </a:r>
+            <a:r>
+              <a:rPr lang="en-US" dirty="0" err="1"/>
+              <a:t>Überprüfen</a:t>
+            </a:r>
+            <a:r>
+              <a:rPr lang="en-US" dirty="0"/>
+              <a:t> des Tickets </a:t>
+            </a:r>
+            <a:r>
+              <a:rPr lang="en-US" dirty="0" err="1"/>
+              <a:t>übernimmt</a:t>
+            </a:r>
+            <a:endParaRPr lang="en-US" dirty="0"/>
+          </a:p>
+          <a:p>
+            <a:r>
+              <a:rPr lang="en-US" dirty="0"/>
+              <a:t>Open Closed</a:t>
+            </a:r>
+          </a:p>
+          <a:p>
+            <a:r>
+              <a:rPr lang="en-US" dirty="0"/>
+              <a:t>	</a:t>
+            </a:r>
+            <a:r>
+              <a:rPr lang="en-US" dirty="0" err="1"/>
+              <a:t>nicht</a:t>
+            </a:r>
+            <a:r>
+              <a:rPr lang="en-US" dirty="0"/>
+              <a:t> </a:t>
+            </a:r>
+            <a:r>
+              <a:rPr lang="en-US" dirty="0" err="1"/>
+              <a:t>befolgt</a:t>
+            </a:r>
+            <a:r>
+              <a:rPr lang="en-US" dirty="0"/>
+              <a:t>. Klassen </a:t>
+            </a:r>
+            <a:r>
+              <a:rPr lang="en-US" dirty="0" err="1"/>
+              <a:t>direkt</a:t>
+            </a:r>
+            <a:r>
+              <a:rPr lang="en-US" dirty="0"/>
+              <a:t> </a:t>
+            </a:r>
+            <a:r>
+              <a:rPr lang="en-US" dirty="0" err="1"/>
+              <a:t>geändert</a:t>
+            </a:r>
+            <a:r>
+              <a:rPr lang="en-US" dirty="0"/>
+              <a:t>.</a:t>
+            </a:r>
+          </a:p>
+          <a:p>
+            <a:r>
+              <a:rPr lang="en-US" dirty="0" err="1"/>
+              <a:t>Liskovsches</a:t>
+            </a:r>
+            <a:r>
+              <a:rPr lang="en-US" dirty="0"/>
+              <a:t> </a:t>
+            </a:r>
+            <a:r>
+              <a:rPr lang="en-US" dirty="0" err="1"/>
+              <a:t>Substitutionsprinzip</a:t>
+            </a:r>
+            <a:endParaRPr lang="en-US" dirty="0"/>
+          </a:p>
+          <a:p>
+            <a:r>
+              <a:rPr lang="en-US" dirty="0"/>
+              <a:t>	</a:t>
+            </a:r>
+            <a:r>
+              <a:rPr lang="en-US" dirty="0" err="1"/>
+              <a:t>erfüllt</a:t>
+            </a:r>
+            <a:r>
+              <a:rPr lang="en-US" dirty="0"/>
+              <a:t> in </a:t>
+            </a:r>
+            <a:r>
+              <a:rPr lang="en-US" dirty="0" err="1"/>
+              <a:t>Parkausweis</a:t>
+            </a:r>
+            <a:r>
+              <a:rPr lang="en-US" dirty="0"/>
+              <a:t> und </a:t>
+            </a:r>
+            <a:r>
+              <a:rPr lang="en-US" dirty="0" err="1"/>
+              <a:t>Abonnent</a:t>
+            </a:r>
+            <a:endParaRPr lang="en-US" dirty="0"/>
+          </a:p>
+          <a:p>
+            <a:r>
+              <a:rPr lang="en-US" dirty="0"/>
+              <a:t>	</a:t>
+            </a:r>
+            <a:r>
+              <a:rPr lang="en-US" dirty="0" err="1"/>
+              <a:t>Erben</a:t>
+            </a:r>
+            <a:r>
+              <a:rPr lang="en-US" dirty="0"/>
+              <a:t> von Ticket und User. </a:t>
+            </a:r>
+            <a:r>
+              <a:rPr lang="en-US" dirty="0" err="1"/>
+              <a:t>Verhalten</a:t>
+            </a:r>
+            <a:r>
+              <a:rPr lang="en-US" dirty="0"/>
+              <a:t> </a:t>
+            </a:r>
+            <a:r>
+              <a:rPr lang="en-US" dirty="0" err="1"/>
+              <a:t>sich</a:t>
+            </a:r>
+            <a:r>
+              <a:rPr lang="en-US" dirty="0"/>
+              <a:t> </a:t>
+            </a:r>
+            <a:r>
+              <a:rPr lang="en-US" dirty="0" err="1"/>
+              <a:t>Überklassenkonform</a:t>
+            </a:r>
+            <a:r>
+              <a:rPr lang="en-US" dirty="0"/>
+              <a:t>.</a:t>
+            </a:r>
+          </a:p>
+          <a:p>
+            <a:r>
+              <a:rPr lang="en-US" dirty="0"/>
+              <a:t>Dependency Inversion </a:t>
+            </a:r>
+            <a:r>
+              <a:rPr lang="en-US" dirty="0" err="1"/>
+              <a:t>Priniple</a:t>
+            </a:r>
+            <a:endParaRPr lang="en-US" dirty="0"/>
+          </a:p>
+          <a:p>
+            <a:r>
+              <a:rPr lang="en-US" dirty="0"/>
+              <a:t>	</a:t>
+            </a:r>
+            <a:r>
+              <a:rPr lang="en-US" dirty="0" err="1"/>
+              <a:t>nicht</a:t>
+            </a:r>
+            <a:r>
+              <a:rPr lang="en-US" dirty="0"/>
+              <a:t> </a:t>
+            </a:r>
+            <a:r>
+              <a:rPr lang="en-US" dirty="0" err="1"/>
+              <a:t>befogt</a:t>
+            </a:r>
+            <a:r>
+              <a:rPr lang="en-US" dirty="0"/>
+              <a:t>. </a:t>
+            </a:r>
+            <a:r>
+              <a:rPr lang="en-US" dirty="0" err="1"/>
+              <a:t>Zum</a:t>
+            </a:r>
+            <a:r>
+              <a:rPr lang="en-US" dirty="0"/>
+              <a:t> </a:t>
+            </a:r>
+            <a:r>
+              <a:rPr lang="en-US" dirty="0" err="1"/>
+              <a:t>beispel</a:t>
+            </a:r>
+            <a:r>
+              <a:rPr lang="en-US" dirty="0"/>
+              <a:t> </a:t>
+            </a:r>
+            <a:r>
+              <a:rPr lang="en-US" dirty="0" err="1"/>
+              <a:t>hängt</a:t>
+            </a:r>
+            <a:r>
+              <a:rPr lang="en-US" dirty="0"/>
+              <a:t> </a:t>
+            </a:r>
+            <a:r>
+              <a:rPr lang="en-US" dirty="0" err="1"/>
+              <a:t>Statistik</a:t>
+            </a:r>
+            <a:r>
+              <a:rPr lang="en-US" dirty="0"/>
+              <a:t> von </a:t>
+            </a:r>
+            <a:r>
+              <a:rPr lang="en-US" dirty="0" err="1"/>
+              <a:t>ArrayList</a:t>
+            </a:r>
+            <a:r>
+              <a:rPr lang="en-US" dirty="0"/>
+              <a:t> ab.</a:t>
+            </a:r>
+          </a:p>
+          <a:p>
+            <a:r>
+              <a:rPr lang="en-US" dirty="0"/>
+              <a:t>	Modul </a:t>
+            </a:r>
+            <a:r>
+              <a:rPr lang="en-US" dirty="0" err="1"/>
+              <a:t>höhrerer</a:t>
+            </a:r>
+            <a:r>
+              <a:rPr lang="en-US" dirty="0"/>
+              <a:t> </a:t>
+            </a:r>
+            <a:r>
+              <a:rPr lang="en-US" dirty="0" err="1"/>
+              <a:t>Ebene</a:t>
+            </a:r>
+            <a:r>
+              <a:rPr lang="en-US" dirty="0"/>
+              <a:t> </a:t>
+            </a:r>
+            <a:r>
+              <a:rPr lang="en-US" dirty="0" err="1"/>
+              <a:t>Statistik</a:t>
+            </a:r>
+            <a:r>
+              <a:rPr lang="en-US" dirty="0"/>
+              <a:t> </a:t>
+            </a:r>
+            <a:r>
+              <a:rPr lang="en-US" dirty="0" err="1"/>
+              <a:t>hängt</a:t>
+            </a:r>
+            <a:r>
+              <a:rPr lang="en-US" dirty="0"/>
+              <a:t> von </a:t>
+            </a:r>
+            <a:r>
+              <a:rPr lang="en-US" dirty="0" err="1"/>
+              <a:t>niedrigerer</a:t>
+            </a:r>
+            <a:r>
+              <a:rPr lang="en-US" dirty="0"/>
+              <a:t> </a:t>
+            </a:r>
+            <a:r>
+              <a:rPr lang="en-US" dirty="0" err="1"/>
+              <a:t>Ebene</a:t>
+            </a:r>
+            <a:r>
+              <a:rPr lang="en-US" dirty="0"/>
+              <a:t> </a:t>
+            </a:r>
+            <a:r>
+              <a:rPr lang="en-US" dirty="0" err="1"/>
+              <a:t>ArrayList</a:t>
+            </a:r>
+            <a:r>
+              <a:rPr lang="en-US" dirty="0"/>
+              <a:t> ab.</a:t>
+            </a:r>
+          </a:p>
+          <a:p>
+            <a:r>
+              <a:rPr lang="en-US" dirty="0"/>
               <a:t>Design by contract</a:t>
             </a:r>
           </a:p>
           <a:p>
             <a:r>
               <a:rPr lang="en-US" dirty="0"/>
+              <a:t>	interfaces </a:t>
+            </a:r>
+            <a:r>
+              <a:rPr lang="en-US" dirty="0" err="1"/>
+              <a:t>genutzt</a:t>
+            </a:r>
+            <a:endParaRPr lang="en-US" dirty="0"/>
+          </a:p>
+          <a:p>
+            <a:r>
+              <a:rPr lang="en-US" dirty="0"/>
               <a:t>	</a:t>
             </a:r>
             <a:r>
               <a:rPr lang="en-US" dirty="0" err="1"/>
-              <a:t>schnittstellen</a:t>
-            </a:r>
-            <a:r>
-              <a:rPr lang="en-US" dirty="0"/>
-              <a:t> </a:t>
-            </a:r>
-            <a:r>
-              <a:rPr lang="en-US" dirty="0" err="1"/>
-              <a:t>mit</a:t>
-            </a:r>
-            <a:r>
-              <a:rPr lang="en-US" dirty="0"/>
-              <a:t> </a:t>
-            </a:r>
-            <a:r>
-              <a:rPr lang="en-US" dirty="0" err="1"/>
-              <a:t>verträge</a:t>
-            </a:r>
-            <a:r>
-              <a:rPr lang="en-US" dirty="0"/>
-              <a:t> </a:t>
-            </a:r>
-          </a:p>
-          <a:p>
-            <a:r>
-              <a:rPr lang="en-US" dirty="0"/>
-              <a:t>	precondition, postcondition</a:t>
-            </a:r>
-          </a:p>
-          <a:p>
+              <a:t>Parkhaus</a:t>
+            </a:r>
+            <a:r>
+              <a:rPr lang="en-US" dirty="0"/>
+              <a:t> </a:t>
+            </a:r>
+            <a:r>
+              <a:rPr lang="en-US" dirty="0" err="1"/>
+              <a:t>verlässt</a:t>
+            </a:r>
+            <a:r>
+              <a:rPr lang="en-US" dirty="0"/>
+              <a:t> </a:t>
+            </a:r>
+            <a:r>
+              <a:rPr lang="en-US" dirty="0" err="1"/>
+              <a:t>sich</a:t>
+            </a:r>
+            <a:r>
+              <a:rPr lang="en-US" dirty="0"/>
+              <a:t> </a:t>
+            </a:r>
+            <a:r>
+              <a:rPr lang="en-US" dirty="0" err="1"/>
+              <a:t>darauf</a:t>
+            </a:r>
+            <a:r>
+              <a:rPr lang="en-US" dirty="0"/>
+              <a:t> das Die </a:t>
+            </a:r>
+            <a:r>
+              <a:rPr lang="en-US" dirty="0" err="1"/>
+              <a:t>Parkdecks</a:t>
+            </a:r>
+            <a:r>
+              <a:rPr lang="en-US" dirty="0"/>
+              <a:t> </a:t>
+            </a:r>
+            <a:r>
+              <a:rPr lang="en-US" dirty="0" err="1"/>
+              <a:t>korrekte</a:t>
+            </a:r>
+            <a:r>
+              <a:rPr lang="en-US" dirty="0"/>
+              <a:t> </a:t>
+            </a:r>
+            <a:r>
+              <a:rPr lang="en-US" dirty="0" err="1"/>
+              <a:t>informationen</a:t>
+            </a:r>
+            <a:r>
+              <a:rPr lang="en-US" dirty="0"/>
+              <a:t> </a:t>
+            </a:r>
+            <a:r>
+              <a:rPr lang="en-US" dirty="0" err="1"/>
+              <a:t>übergeben</a:t>
+            </a:r>
             <a:endParaRPr lang="en-US" dirty="0"/>
+          </a:p>
+          <a:p>
+            <a:r>
+              <a:rPr lang="en-US" dirty="0"/>
+              <a:t>	</a:t>
+            </a:r>
+            <a:r>
+              <a:rPr lang="en-US" dirty="0" err="1"/>
+              <a:t>Parkhaus</a:t>
+            </a:r>
+            <a:r>
+              <a:rPr lang="en-US" dirty="0"/>
+              <a:t> </a:t>
+            </a:r>
+            <a:r>
+              <a:rPr lang="en-US" dirty="0" err="1"/>
+              <a:t>als</a:t>
+            </a:r>
+            <a:r>
+              <a:rPr lang="en-US" dirty="0"/>
+              <a:t> client. Muss </a:t>
+            </a:r>
+            <a:r>
+              <a:rPr lang="en-US" dirty="0" err="1"/>
+              <a:t>bachbediuung</a:t>
+            </a:r>
+            <a:r>
+              <a:rPr lang="en-US" dirty="0"/>
+              <a:t> </a:t>
+            </a:r>
+            <a:r>
+              <a:rPr lang="en-US" dirty="0" err="1"/>
+              <a:t>nicht</a:t>
+            </a:r>
+            <a:r>
+              <a:rPr lang="en-US" dirty="0"/>
+              <a:t> </a:t>
+            </a:r>
+            <a:r>
+              <a:rPr lang="en-US" dirty="0" err="1"/>
+              <a:t>checken</a:t>
+            </a:r>
+            <a:endParaRPr lang="en-US" dirty="0"/>
+          </a:p>
+          <a:p>
+            <a:r>
+              <a:rPr lang="en-US" dirty="0"/>
+              <a:t>	</a:t>
+            </a:r>
+          </a:p>
+          <a:p>
+            <a:r>
+              <a:rPr lang="en-US" dirty="0"/>
+              <a:t>	</a:t>
+            </a:r>
+          </a:p>
+          <a:p>
+            <a:endParaRPr lang="en-US" dirty="0"/>
+          </a:p>
+          <a:p>
+            <a:r>
+              <a:rPr lang="en-US" dirty="0"/>
+              <a:t>	</a:t>
+            </a:r>
           </a:p>
         </p:txBody>
       </p:sp>
@@ -1847,17 +2356,12 @@
 </file>
 
 <file path=ppt/slideLayouts/slideLayout1.xml><?xml version="1.0" encoding="utf-8"?>
-<p:sldLayout xmlns:a="http://schemas.openxmlformats.org/drawingml/2006/main" xmlns:r="http://schemas.openxmlformats.org/officeDocument/2006/relationships" xmlns:p="http://schemas.openxmlformats.org/presentationml/2006/main" showMasterSp="0" type="title" preserve="1">
+<p:sldLayout xmlns:a="http://schemas.openxmlformats.org/drawingml/2006/main" xmlns:r="http://schemas.openxmlformats.org/officeDocument/2006/relationships" xmlns:p="http://schemas.openxmlformats.org/presentationml/2006/main" type="title" preserve="1">
   <p:cSld name="Titelfolie">
     <p:bg>
-      <p:bgPr>
-        <a:solidFill>
-          <a:schemeClr val="bg2">
-            <a:lumMod val="75000"/>
-          </a:schemeClr>
-        </a:solidFill>
-        <a:effectLst/>
-      </p:bgPr>
+      <p:bgRef idx="1001">
+        <a:schemeClr val="bg2"/>
+      </p:bgRef>
     </p:bg>
     <p:spTree>
       <p:nvGrpSpPr>
@@ -1937,7 +2441,7 @@
           <a:lstStyle>
             <a:lvl1pPr marL="0" indent="0" algn="l">
               <a:buNone/>
-              <a:defRPr sz="2200" baseline="0">
+              <a:defRPr sz="2200" spc="30" baseline="0">
                 <a:solidFill>
                   <a:schemeClr val="tx1">
                     <a:lumMod val="75000"/>
@@ -1989,101 +2493,6 @@
       </p:sp>
       <p:sp>
         <p:nvSpPr>
-          <p:cNvPr id="4" name="Date Placeholder 3"/>
-          <p:cNvSpPr>
-            <a:spLocks noGrp="1"/>
-          </p:cNvSpPr>
-          <p:nvPr>
-            <p:ph type="dt" sz="half" idx="10"/>
-          </p:nvPr>
-        </p:nvSpPr>
-        <p:spPr/>
-        <p:txBody>
-          <a:bodyPr/>
-          <a:lstStyle>
-            <a:lvl1pPr>
-              <a:defRPr>
-                <a:solidFill>
-                  <a:schemeClr val="tx1">
-                    <a:lumMod val="50000"/>
-                  </a:schemeClr>
-                </a:solidFill>
-              </a:defRPr>
-            </a:lvl1pPr>
-          </a:lstStyle>
-          <a:p>
-            <a:fld id="{E7BF99E8-FAEF-4CCC-8B7E-FA481EAA1673}" type="datetimeFigureOut">
-              <a:rPr lang="en-US" smtClean="0"/>
-              <a:t>6/26/2019</a:t>
-            </a:fld>
-            <a:endParaRPr lang="en-US"/>
-          </a:p>
-        </p:txBody>
-      </p:sp>
-      <p:sp>
-        <p:nvSpPr>
-          <p:cNvPr id="5" name="Footer Placeholder 4"/>
-          <p:cNvSpPr>
-            <a:spLocks noGrp="1"/>
-          </p:cNvSpPr>
-          <p:nvPr>
-            <p:ph type="ftr" sz="quarter" idx="11"/>
-          </p:nvPr>
-        </p:nvSpPr>
-        <p:spPr/>
-        <p:txBody>
-          <a:bodyPr/>
-          <a:lstStyle>
-            <a:lvl1pPr>
-              <a:defRPr>
-                <a:solidFill>
-                  <a:schemeClr val="tx1">
-                    <a:lumMod val="65000"/>
-                  </a:schemeClr>
-                </a:solidFill>
-              </a:defRPr>
-            </a:lvl1pPr>
-          </a:lstStyle>
-          <a:p>
-            <a:endParaRPr lang="en-US"/>
-          </a:p>
-        </p:txBody>
-      </p:sp>
-      <p:sp>
-        <p:nvSpPr>
-          <p:cNvPr id="6" name="Slide Number Placeholder 5"/>
-          <p:cNvSpPr>
-            <a:spLocks noGrp="1"/>
-          </p:cNvSpPr>
-          <p:nvPr>
-            <p:ph type="sldNum" sz="quarter" idx="12"/>
-          </p:nvPr>
-        </p:nvSpPr>
-        <p:spPr/>
-        <p:txBody>
-          <a:bodyPr/>
-          <a:lstStyle>
-            <a:lvl1pPr>
-              <a:defRPr>
-                <a:solidFill>
-                  <a:schemeClr val="tx1">
-                    <a:lumMod val="65000"/>
-                  </a:schemeClr>
-                </a:solidFill>
-              </a:defRPr>
-            </a:lvl1pPr>
-          </a:lstStyle>
-          <a:p>
-            <a:fld id="{53235728-76D6-45A1-8670-75A93D312883}" type="slidenum">
-              <a:rPr lang="en-US" smtClean="0"/>
-              <a:t>‹Nr.›</a:t>
-            </a:fld>
-            <a:endParaRPr lang="en-US"/>
-          </a:p>
-        </p:txBody>
-      </p:sp>
-      <p:sp>
-        <p:nvSpPr>
           <p:cNvPr id="7" name="Rectangle 6"/>
           <p:cNvSpPr/>
           <p:nvPr/>
@@ -2097,7 +2506,10 @@
             <a:avLst/>
           </a:prstGeom>
           <a:solidFill>
-            <a:schemeClr val="accent1"/>
+            <a:schemeClr val="bg2">
+              <a:lumMod val="60000"/>
+              <a:lumOff val="40000"/>
+            </a:schemeClr>
           </a:solidFill>
           <a:ln>
             <a:noFill/>
@@ -2120,10 +2532,75 @@
           </a:fontRef>
         </p:style>
       </p:sp>
+      <p:sp>
+        <p:nvSpPr>
+          <p:cNvPr id="8" name="Date Placeholder 7"/>
+          <p:cNvSpPr>
+            <a:spLocks noGrp="1"/>
+          </p:cNvSpPr>
+          <p:nvPr>
+            <p:ph type="dt" sz="half" idx="10"/>
+          </p:nvPr>
+        </p:nvSpPr>
+        <p:spPr/>
+        <p:txBody>
+          <a:bodyPr/>
+          <a:lstStyle/>
+          <a:p>
+            <a:fld id="{E7BF99E8-FAEF-4CCC-8B7E-FA481EAA1673}" type="datetimeFigureOut">
+              <a:rPr lang="en-US" smtClean="0"/>
+              <a:t>6/27/2019</a:t>
+            </a:fld>
+            <a:endParaRPr lang="en-US"/>
+          </a:p>
+        </p:txBody>
+      </p:sp>
+      <p:sp>
+        <p:nvSpPr>
+          <p:cNvPr id="9" name="Footer Placeholder 8"/>
+          <p:cNvSpPr>
+            <a:spLocks noGrp="1"/>
+          </p:cNvSpPr>
+          <p:nvPr>
+            <p:ph type="ftr" sz="quarter" idx="11"/>
+          </p:nvPr>
+        </p:nvSpPr>
+        <p:spPr/>
+        <p:txBody>
+          <a:bodyPr/>
+          <a:lstStyle/>
+          <a:p>
+            <a:endParaRPr lang="en-US"/>
+          </a:p>
+        </p:txBody>
+      </p:sp>
+      <p:sp>
+        <p:nvSpPr>
+          <p:cNvPr id="10" name="Slide Number Placeholder 9"/>
+          <p:cNvSpPr>
+            <a:spLocks noGrp="1"/>
+          </p:cNvSpPr>
+          <p:nvPr>
+            <p:ph type="sldNum" sz="quarter" idx="12"/>
+          </p:nvPr>
+        </p:nvSpPr>
+        <p:spPr/>
+        <p:txBody>
+          <a:bodyPr/>
+          <a:lstStyle/>
+          <a:p>
+            <a:fld id="{53235728-76D6-45A1-8670-75A93D312883}" type="slidenum">
+              <a:rPr lang="en-US" smtClean="0"/>
+              <a:t>‹Nr.›</a:t>
+            </a:fld>
+            <a:endParaRPr lang="en-US"/>
+          </a:p>
+        </p:txBody>
+      </p:sp>
     </p:spTree>
     <p:extLst>
       <p:ext uri="{BB962C8B-B14F-4D97-AF65-F5344CB8AC3E}">
-        <p14:creationId xmlns:p14="http://schemas.microsoft.com/office/powerpoint/2010/main" val="3789689638"/>
+        <p14:creationId xmlns:p14="http://schemas.microsoft.com/office/powerpoint/2010/main" val="893092893"/>
       </p:ext>
     </p:extLst>
   </p:cSld>
@@ -2242,7 +2719,7 @@
           <a:p>
             <a:fld id="{E7BF99E8-FAEF-4CCC-8B7E-FA481EAA1673}" type="datetimeFigureOut">
               <a:rPr lang="en-US" smtClean="0"/>
-              <a:t>6/26/2019</a:t>
+              <a:t>6/27/2019</a:t>
             </a:fld>
             <a:endParaRPr lang="en-US"/>
           </a:p>
@@ -2290,10 +2767,51 @@
           </a:p>
         </p:txBody>
       </p:sp>
+      <p:sp>
+        <p:nvSpPr>
+          <p:cNvPr id="7" name="Rectangle 6"/>
+          <p:cNvSpPr/>
+          <p:nvPr/>
+        </p:nvSpPr>
+        <p:spPr>
+          <a:xfrm>
+            <a:off x="0" y="0"/>
+            <a:ext cx="457200" cy="6858000"/>
+          </a:xfrm>
+          <a:prstGeom prst="rect">
+            <a:avLst/>
+          </a:prstGeom>
+          <a:solidFill>
+            <a:schemeClr val="tx2">
+              <a:lumMod val="60000"/>
+              <a:lumOff val="40000"/>
+            </a:schemeClr>
+          </a:solidFill>
+          <a:ln>
+            <a:noFill/>
+          </a:ln>
+        </p:spPr>
+        <p:style>
+          <a:lnRef idx="2">
+            <a:schemeClr val="accent1">
+              <a:shade val="50000"/>
+            </a:schemeClr>
+          </a:lnRef>
+          <a:fillRef idx="1">
+            <a:schemeClr val="accent1"/>
+          </a:fillRef>
+          <a:effectRef idx="0">
+            <a:schemeClr val="accent1"/>
+          </a:effectRef>
+          <a:fontRef idx="minor">
+            <a:schemeClr val="lt1"/>
+          </a:fontRef>
+        </p:style>
+      </p:sp>
     </p:spTree>
     <p:extLst>
       <p:ext uri="{BB962C8B-B14F-4D97-AF65-F5344CB8AC3E}">
-        <p14:creationId xmlns:p14="http://schemas.microsoft.com/office/powerpoint/2010/main" val="601592072"/>
+        <p14:creationId xmlns:p14="http://schemas.microsoft.com/office/powerpoint/2010/main" val="3823719579"/>
       </p:ext>
     </p:extLst>
   </p:cSld>
@@ -2422,7 +2940,7 @@
           <a:p>
             <a:fld id="{E7BF99E8-FAEF-4CCC-8B7E-FA481EAA1673}" type="datetimeFigureOut">
               <a:rPr lang="en-US" smtClean="0"/>
-              <a:t>6/26/2019</a:t>
+              <a:t>6/27/2019</a:t>
             </a:fld>
             <a:endParaRPr lang="en-US"/>
           </a:p>
@@ -2470,10 +2988,51 @@
           </a:p>
         </p:txBody>
       </p:sp>
+      <p:sp>
+        <p:nvSpPr>
+          <p:cNvPr id="7" name="Rectangle 6"/>
+          <p:cNvSpPr/>
+          <p:nvPr/>
+        </p:nvSpPr>
+        <p:spPr>
+          <a:xfrm>
+            <a:off x="0" y="0"/>
+            <a:ext cx="457200" cy="6858000"/>
+          </a:xfrm>
+          <a:prstGeom prst="rect">
+            <a:avLst/>
+          </a:prstGeom>
+          <a:solidFill>
+            <a:schemeClr val="tx2">
+              <a:lumMod val="60000"/>
+              <a:lumOff val="40000"/>
+            </a:schemeClr>
+          </a:solidFill>
+          <a:ln>
+            <a:noFill/>
+          </a:ln>
+        </p:spPr>
+        <p:style>
+          <a:lnRef idx="2">
+            <a:schemeClr val="accent1">
+              <a:shade val="50000"/>
+            </a:schemeClr>
+          </a:lnRef>
+          <a:fillRef idx="1">
+            <a:schemeClr val="accent1"/>
+          </a:fillRef>
+          <a:effectRef idx="0">
+            <a:schemeClr val="accent1"/>
+          </a:effectRef>
+          <a:fontRef idx="minor">
+            <a:schemeClr val="lt1"/>
+          </a:fontRef>
+        </p:style>
+      </p:sp>
     </p:spTree>
     <p:extLst>
       <p:ext uri="{BB962C8B-B14F-4D97-AF65-F5344CB8AC3E}">
-        <p14:creationId xmlns:p14="http://schemas.microsoft.com/office/powerpoint/2010/main" val="1921121494"/>
+        <p14:creationId xmlns:p14="http://schemas.microsoft.com/office/powerpoint/2010/main" val="1524212467"/>
       </p:ext>
     </p:extLst>
   </p:cSld>
@@ -2592,7 +3151,7 @@
           <a:p>
             <a:fld id="{E7BF99E8-FAEF-4CCC-8B7E-FA481EAA1673}" type="datetimeFigureOut">
               <a:rPr lang="en-US" smtClean="0"/>
-              <a:t>6/26/2019</a:t>
+              <a:t>6/27/2019</a:t>
             </a:fld>
             <a:endParaRPr lang="en-US"/>
           </a:p>
@@ -2640,10 +3199,51 @@
           </a:p>
         </p:txBody>
       </p:sp>
+      <p:sp>
+        <p:nvSpPr>
+          <p:cNvPr id="8" name="Rectangle 7"/>
+          <p:cNvSpPr/>
+          <p:nvPr/>
+        </p:nvSpPr>
+        <p:spPr>
+          <a:xfrm>
+            <a:off x="0" y="0"/>
+            <a:ext cx="457200" cy="6858000"/>
+          </a:xfrm>
+          <a:prstGeom prst="rect">
+            <a:avLst/>
+          </a:prstGeom>
+          <a:solidFill>
+            <a:schemeClr val="tx2">
+              <a:lumMod val="60000"/>
+              <a:lumOff val="40000"/>
+            </a:schemeClr>
+          </a:solidFill>
+          <a:ln>
+            <a:noFill/>
+          </a:ln>
+        </p:spPr>
+        <p:style>
+          <a:lnRef idx="2">
+            <a:schemeClr val="accent1">
+              <a:shade val="50000"/>
+            </a:schemeClr>
+          </a:lnRef>
+          <a:fillRef idx="1">
+            <a:schemeClr val="accent1"/>
+          </a:fillRef>
+          <a:effectRef idx="0">
+            <a:schemeClr val="accent1"/>
+          </a:effectRef>
+          <a:fontRef idx="minor">
+            <a:schemeClr val="lt1"/>
+          </a:fontRef>
+        </p:style>
+      </p:sp>
     </p:spTree>
     <p:extLst>
       <p:ext uri="{BB962C8B-B14F-4D97-AF65-F5344CB8AC3E}">
-        <p14:creationId xmlns:p14="http://schemas.microsoft.com/office/powerpoint/2010/main" val="3078170516"/>
+        <p14:creationId xmlns:p14="http://schemas.microsoft.com/office/powerpoint/2010/main" val="140789770"/>
       </p:ext>
     </p:extLst>
   </p:cSld>
@@ -2695,7 +3295,7 @@
               <a:lnSpc>
                 <a:spcPct val="85000"/>
               </a:lnSpc>
-              <a:defRPr sz="7200" b="0"/>
+              <a:defRPr sz="7200" b="1"/>
             </a:lvl1pPr>
           </a:lstStyle>
           <a:p>
@@ -2730,11 +3330,11 @@
           <a:lstStyle>
             <a:lvl1pPr marL="0" indent="0">
               <a:buNone/>
-              <a:defRPr sz="2200">
+              <a:defRPr sz="2200" spc="30" baseline="0">
                 <a:solidFill>
                   <a:schemeClr val="tx1">
-                    <a:lumMod val="65000"/>
-                    <a:lumOff val="35000"/>
+                    <a:lumMod val="50000"/>
+                    <a:lumOff val="50000"/>
                   </a:schemeClr>
                 </a:solidFill>
               </a:defRPr>
@@ -2846,7 +3446,7 @@
           <a:p>
             <a:fld id="{E7BF99E8-FAEF-4CCC-8B7E-FA481EAA1673}" type="datetimeFigureOut">
               <a:rPr lang="en-US" smtClean="0"/>
-              <a:t>6/26/2019</a:t>
+              <a:t>6/27/2019</a:t>
             </a:fld>
             <a:endParaRPr lang="en-US"/>
           </a:p>
@@ -2896,7 +3496,7 @@
       </p:sp>
       <p:sp>
         <p:nvSpPr>
-          <p:cNvPr id="7" name="Rectangle 6"/>
+          <p:cNvPr id="8" name="Rectangle 7"/>
           <p:cNvSpPr/>
           <p:nvPr/>
         </p:nvSpPr>
@@ -2909,7 +3509,10 @@
             <a:avLst/>
           </a:prstGeom>
           <a:solidFill>
-            <a:schemeClr val="accent1"/>
+            <a:schemeClr val="tx2">
+              <a:lumMod val="60000"/>
+              <a:lumOff val="40000"/>
+            </a:schemeClr>
           </a:solidFill>
           <a:ln>
             <a:noFill/>
@@ -2935,7 +3538,7 @@
     </p:spTree>
     <p:extLst>
       <p:ext uri="{BB962C8B-B14F-4D97-AF65-F5344CB8AC3E}">
-        <p14:creationId xmlns:p14="http://schemas.microsoft.com/office/powerpoint/2010/main" val="3729163839"/>
+        <p14:creationId xmlns:p14="http://schemas.microsoft.com/office/powerpoint/2010/main" val="1063232226"/>
       </p:ext>
     </p:extLst>
   </p:cSld>
@@ -3005,13 +3608,13 @@
           <a:bodyPr/>
           <a:lstStyle>
             <a:lvl1pPr>
-              <a:defRPr sz="1800"/>
+              <a:defRPr sz="2000"/>
             </a:lvl1pPr>
             <a:lvl2pPr>
-              <a:defRPr sz="1600"/>
+              <a:defRPr sz="1800"/>
             </a:lvl2pPr>
             <a:lvl3pPr>
-              <a:defRPr sz="1400"/>
+              <a:defRPr sz="1600"/>
             </a:lvl3pPr>
             <a:lvl4pPr>
               <a:defRPr sz="1400"/>
@@ -3090,13 +3693,13 @@
           <a:bodyPr/>
           <a:lstStyle>
             <a:lvl1pPr>
-              <a:defRPr sz="1800"/>
+              <a:defRPr sz="2000"/>
             </a:lvl1pPr>
             <a:lvl2pPr>
-              <a:defRPr sz="1600"/>
+              <a:defRPr sz="1800"/>
             </a:lvl2pPr>
             <a:lvl3pPr>
-              <a:defRPr sz="1400"/>
+              <a:defRPr sz="1600"/>
             </a:lvl3pPr>
             <a:lvl4pPr>
               <a:defRPr sz="1400"/>
@@ -3172,7 +3775,7 @@
           <a:p>
             <a:fld id="{E7BF99E8-FAEF-4CCC-8B7E-FA481EAA1673}" type="datetimeFigureOut">
               <a:rPr lang="en-US" smtClean="0"/>
-              <a:t>6/26/2019</a:t>
+              <a:t>6/27/2019</a:t>
             </a:fld>
             <a:endParaRPr lang="en-US"/>
           </a:p>
@@ -3220,10 +3823,51 @@
           </a:p>
         </p:txBody>
       </p:sp>
+      <p:sp>
+        <p:nvSpPr>
+          <p:cNvPr id="8" name="Rectangle 7"/>
+          <p:cNvSpPr/>
+          <p:nvPr/>
+        </p:nvSpPr>
+        <p:spPr>
+          <a:xfrm>
+            <a:off x="0" y="0"/>
+            <a:ext cx="457200" cy="6858000"/>
+          </a:xfrm>
+          <a:prstGeom prst="rect">
+            <a:avLst/>
+          </a:prstGeom>
+          <a:solidFill>
+            <a:schemeClr val="tx2">
+              <a:lumMod val="60000"/>
+              <a:lumOff val="40000"/>
+            </a:schemeClr>
+          </a:solidFill>
+          <a:ln>
+            <a:noFill/>
+          </a:ln>
+        </p:spPr>
+        <p:style>
+          <a:lnRef idx="2">
+            <a:schemeClr val="accent1">
+              <a:shade val="50000"/>
+            </a:schemeClr>
+          </a:lnRef>
+          <a:fillRef idx="1">
+            <a:schemeClr val="accent1"/>
+          </a:fillRef>
+          <a:effectRef idx="0">
+            <a:schemeClr val="accent1"/>
+          </a:effectRef>
+          <a:fontRef idx="minor">
+            <a:schemeClr val="lt1"/>
+          </a:fontRef>
+        </p:style>
+      </p:sp>
     </p:spTree>
     <p:extLst>
       <p:ext uri="{BB962C8B-B14F-4D97-AF65-F5344CB8AC3E}">
-        <p14:creationId xmlns:p14="http://schemas.microsoft.com/office/powerpoint/2010/main" val="2313783419"/>
+        <p14:creationId xmlns:p14="http://schemas.microsoft.com/office/powerpoint/2010/main" val="3454149469"/>
       </p:ext>
     </p:extLst>
   </p:cSld>
@@ -3623,7 +4267,7 @@
           <a:p>
             <a:fld id="{E7BF99E8-FAEF-4CCC-8B7E-FA481EAA1673}" type="datetimeFigureOut">
               <a:rPr lang="en-US" smtClean="0"/>
-              <a:t>6/26/2019</a:t>
+              <a:t>6/27/2019</a:t>
             </a:fld>
             <a:endParaRPr lang="en-US"/>
           </a:p>
@@ -3671,10 +4315,51 @@
           </a:p>
         </p:txBody>
       </p:sp>
+      <p:sp>
+        <p:nvSpPr>
+          <p:cNvPr id="11" name="Rectangle 10"/>
+          <p:cNvSpPr/>
+          <p:nvPr/>
+        </p:nvSpPr>
+        <p:spPr>
+          <a:xfrm>
+            <a:off x="0" y="0"/>
+            <a:ext cx="457200" cy="6858000"/>
+          </a:xfrm>
+          <a:prstGeom prst="rect">
+            <a:avLst/>
+          </a:prstGeom>
+          <a:solidFill>
+            <a:schemeClr val="tx2">
+              <a:lumMod val="60000"/>
+              <a:lumOff val="40000"/>
+            </a:schemeClr>
+          </a:solidFill>
+          <a:ln>
+            <a:noFill/>
+          </a:ln>
+        </p:spPr>
+        <p:style>
+          <a:lnRef idx="2">
+            <a:schemeClr val="accent1">
+              <a:shade val="50000"/>
+            </a:schemeClr>
+          </a:lnRef>
+          <a:fillRef idx="1">
+            <a:schemeClr val="accent1"/>
+          </a:fillRef>
+          <a:effectRef idx="0">
+            <a:schemeClr val="accent1"/>
+          </a:effectRef>
+          <a:fontRef idx="minor">
+            <a:schemeClr val="lt1"/>
+          </a:fontRef>
+        </p:style>
+      </p:sp>
     </p:spTree>
     <p:extLst>
       <p:ext uri="{BB962C8B-B14F-4D97-AF65-F5344CB8AC3E}">
-        <p14:creationId xmlns:p14="http://schemas.microsoft.com/office/powerpoint/2010/main" val="2349238771"/>
+        <p14:creationId xmlns:p14="http://schemas.microsoft.com/office/powerpoint/2010/main" val="1802382375"/>
       </p:ext>
     </p:extLst>
   </p:cSld>
@@ -3741,7 +4426,7 @@
           <a:p>
             <a:fld id="{E7BF99E8-FAEF-4CCC-8B7E-FA481EAA1673}" type="datetimeFigureOut">
               <a:rPr lang="en-US" smtClean="0"/>
-              <a:t>6/26/2019</a:t>
+              <a:t>6/27/2019</a:t>
             </a:fld>
             <a:endParaRPr lang="en-US"/>
           </a:p>
@@ -3789,10 +4474,51 @@
           </a:p>
         </p:txBody>
       </p:sp>
+      <p:sp>
+        <p:nvSpPr>
+          <p:cNvPr id="7" name="Rectangle 6"/>
+          <p:cNvSpPr/>
+          <p:nvPr/>
+        </p:nvSpPr>
+        <p:spPr>
+          <a:xfrm>
+            <a:off x="0" y="0"/>
+            <a:ext cx="457200" cy="6858000"/>
+          </a:xfrm>
+          <a:prstGeom prst="rect">
+            <a:avLst/>
+          </a:prstGeom>
+          <a:solidFill>
+            <a:schemeClr val="tx2">
+              <a:lumMod val="60000"/>
+              <a:lumOff val="40000"/>
+            </a:schemeClr>
+          </a:solidFill>
+          <a:ln>
+            <a:noFill/>
+          </a:ln>
+        </p:spPr>
+        <p:style>
+          <a:lnRef idx="2">
+            <a:schemeClr val="accent1">
+              <a:shade val="50000"/>
+            </a:schemeClr>
+          </a:lnRef>
+          <a:fillRef idx="1">
+            <a:schemeClr val="accent1"/>
+          </a:fillRef>
+          <a:effectRef idx="0">
+            <a:schemeClr val="accent1"/>
+          </a:effectRef>
+          <a:fontRef idx="minor">
+            <a:schemeClr val="lt1"/>
+          </a:fontRef>
+        </p:style>
+      </p:sp>
     </p:spTree>
     <p:extLst>
       <p:ext uri="{BB962C8B-B14F-4D97-AF65-F5344CB8AC3E}">
-        <p14:creationId xmlns:p14="http://schemas.microsoft.com/office/powerpoint/2010/main" val="3710528996"/>
+        <p14:creationId xmlns:p14="http://schemas.microsoft.com/office/powerpoint/2010/main" val="2985653008"/>
       </p:ext>
     </p:extLst>
   </p:cSld>
@@ -3836,7 +4562,7 @@
           <a:p>
             <a:fld id="{E7BF99E8-FAEF-4CCC-8B7E-FA481EAA1673}" type="datetimeFigureOut">
               <a:rPr lang="en-US" smtClean="0"/>
-              <a:t>6/26/2019</a:t>
+              <a:t>6/27/2019</a:t>
             </a:fld>
             <a:endParaRPr lang="en-US"/>
           </a:p>
@@ -3884,10 +4610,51 @@
           </a:p>
         </p:txBody>
       </p:sp>
+      <p:sp>
+        <p:nvSpPr>
+          <p:cNvPr id="5" name="Rectangle 4"/>
+          <p:cNvSpPr/>
+          <p:nvPr/>
+        </p:nvSpPr>
+        <p:spPr>
+          <a:xfrm>
+            <a:off x="0" y="0"/>
+            <a:ext cx="457200" cy="6858000"/>
+          </a:xfrm>
+          <a:prstGeom prst="rect">
+            <a:avLst/>
+          </a:prstGeom>
+          <a:solidFill>
+            <a:schemeClr val="tx2">
+              <a:lumMod val="60000"/>
+              <a:lumOff val="40000"/>
+            </a:schemeClr>
+          </a:solidFill>
+          <a:ln>
+            <a:noFill/>
+          </a:ln>
+        </p:spPr>
+        <p:style>
+          <a:lnRef idx="2">
+            <a:schemeClr val="accent1">
+              <a:shade val="50000"/>
+            </a:schemeClr>
+          </a:lnRef>
+          <a:fillRef idx="1">
+            <a:schemeClr val="accent1"/>
+          </a:fillRef>
+          <a:effectRef idx="0">
+            <a:schemeClr val="accent1"/>
+          </a:effectRef>
+          <a:fontRef idx="minor">
+            <a:schemeClr val="lt1"/>
+          </a:fontRef>
+        </p:style>
+      </p:sp>
     </p:spTree>
     <p:extLst>
       <p:ext uri="{BB962C8B-B14F-4D97-AF65-F5344CB8AC3E}">
-        <p14:creationId xmlns:p14="http://schemas.microsoft.com/office/powerpoint/2010/main" val="1905956151"/>
+        <p14:creationId xmlns:p14="http://schemas.microsoft.com/office/powerpoint/2010/main" val="3433358949"/>
       </p:ext>
     </p:extLst>
   </p:cSld>
@@ -3936,7 +4703,7 @@
           </a:bodyPr>
           <a:lstStyle>
             <a:lvl1pPr>
-              <a:defRPr sz="3200" b="0" baseline="0"/>
+              <a:defRPr sz="2800" b="1" baseline="0"/>
             </a:lvl1pPr>
           </a:lstStyle>
           <a:p>
@@ -4062,7 +4829,7 @@
                 <a:spcPts val="800"/>
               </a:spcBef>
               <a:buNone/>
-              <a:defRPr sz="1300"/>
+              <a:defRPr sz="1400"/>
             </a:lvl1pPr>
             <a:lvl2pPr marL="457200" indent="0">
               <a:buNone/>
@@ -4123,7 +4890,7 @@
           <a:p>
             <a:fld id="{E7BF99E8-FAEF-4CCC-8B7E-FA481EAA1673}" type="datetimeFigureOut">
               <a:rPr lang="en-US" smtClean="0"/>
-              <a:t>6/26/2019</a:t>
+              <a:t>6/27/2019</a:t>
             </a:fld>
             <a:endParaRPr lang="en-US"/>
           </a:p>
@@ -4174,7 +4941,7 @@
     </p:spTree>
     <p:extLst>
       <p:ext uri="{BB962C8B-B14F-4D97-AF65-F5344CB8AC3E}">
-        <p14:creationId xmlns:p14="http://schemas.microsoft.com/office/powerpoint/2010/main" val="4156563358"/>
+        <p14:creationId xmlns:p14="http://schemas.microsoft.com/office/powerpoint/2010/main" val="2478921011"/>
       </p:ext>
     </p:extLst>
   </p:cSld>
@@ -4216,7 +4983,7 @@
             <a:avLst/>
           </a:prstGeom>
           <a:solidFill>
-            <a:srgbClr val="000000"/>
+            <a:schemeClr val="tx2"/>
           </a:solidFill>
           <a:ln>
             <a:noFill/>
@@ -4261,7 +5028,7 @@
           </a:bodyPr>
           <a:lstStyle>
             <a:lvl1pPr>
-              <a:defRPr sz="2800" b="0">
+              <a:defRPr sz="2800" b="1">
                 <a:solidFill>
                   <a:schemeClr val="bg1"/>
                 </a:solidFill>
@@ -4292,23 +5059,13 @@
             <a:off x="0" y="0"/>
             <a:ext cx="11292840" cy="5128923"/>
           </a:xfrm>
-          <a:blipFill>
-            <a:blip r:embed="rId2"/>
-            <a:stretch>
-              <a:fillRect/>
-            </a:stretch>
-          </a:blipFill>
         </p:spPr>
         <p:txBody>
           <a:bodyPr anchor="t"/>
           <a:lstStyle>
             <a:lvl1pPr marL="0" indent="0">
               <a:buNone/>
-              <a:defRPr sz="3200">
-                <a:solidFill>
-                  <a:schemeClr val="bg1"/>
-                </a:solidFill>
-              </a:defRPr>
+              <a:defRPr sz="3200"/>
             </a:lvl1pPr>
             <a:lvl2pPr marL="457200" indent="0">
               <a:buNone/>
@@ -4381,10 +5138,10 @@
                 <a:spcPts val="800"/>
               </a:spcBef>
               <a:buNone/>
-              <a:defRPr sz="1300">
+              <a:defRPr sz="1400" baseline="0">
                 <a:solidFill>
                   <a:schemeClr val="bg1">
-                    <a:lumMod val="85000"/>
+                    <a:lumMod val="75000"/>
                   </a:schemeClr>
                 </a:solidFill>
               </a:defRPr>
@@ -4448,7 +5205,7 @@
           <a:p>
             <a:fld id="{E7BF99E8-FAEF-4CCC-8B7E-FA481EAA1673}" type="datetimeFigureOut">
               <a:rPr lang="en-US" smtClean="0"/>
-              <a:t>6/26/2019</a:t>
+              <a:t>6/27/2019</a:t>
             </a:fld>
             <a:endParaRPr lang="en-US"/>
           </a:p>
@@ -4499,7 +5256,7 @@
     </p:spTree>
     <p:extLst>
       <p:ext uri="{BB962C8B-B14F-4D97-AF65-F5344CB8AC3E}">
-        <p14:creationId xmlns:p14="http://schemas.microsoft.com/office/powerpoint/2010/main" val="1421260290"/>
+        <p14:creationId xmlns:p14="http://schemas.microsoft.com/office/powerpoint/2010/main" val="4212540666"/>
       </p:ext>
     </p:extLst>
   </p:cSld>
@@ -4546,9 +5303,7 @@
             <a:avLst/>
           </a:prstGeom>
           <a:solidFill>
-            <a:schemeClr val="tx2">
-              <a:lumMod val="75000"/>
-            </a:schemeClr>
+            <a:schemeClr val="accent1"/>
           </a:solidFill>
           <a:ln>
             <a:noFill/>
@@ -4583,15 +5338,15 @@
         </p:nvSpPr>
         <p:spPr>
           <a:xfrm>
-            <a:off x="1261872" y="365760"/>
-            <a:ext cx="9692640" cy="1325562"/>
+            <a:off x="1261872" y="294198"/>
+            <a:ext cx="9692640" cy="1397124"/>
           </a:xfrm>
           <a:prstGeom prst="rect">
             <a:avLst/>
           </a:prstGeom>
         </p:spPr>
         <p:txBody>
-          <a:bodyPr vert="horz" lIns="91440" tIns="45720" rIns="91440" bIns="45720" rtlCol="0" anchor="b">
+          <a:bodyPr vert="horz" lIns="91440" tIns="27432" rIns="91440" bIns="45720" rtlCol="0" anchor="b">
             <a:normAutofit/>
           </a:bodyPr>
           <a:lstStyle/>
@@ -4691,9 +5446,9 @@
             <a:lvl1pPr algn="r">
               <a:defRPr sz="1050" b="0">
                 <a:solidFill>
-                  <a:schemeClr val="tx2">
-                    <a:lumMod val="20000"/>
-                    <a:lumOff val="80000"/>
+                  <a:schemeClr val="accent1">
+                    <a:lumMod val="40000"/>
+                    <a:lumOff val="60000"/>
                   </a:schemeClr>
                 </a:solidFill>
               </a:defRPr>
@@ -4702,7 +5457,7 @@
           <a:p>
             <a:fld id="{E7BF99E8-FAEF-4CCC-8B7E-FA481EAA1673}" type="datetimeFigureOut">
               <a:rPr lang="en-US" smtClean="0"/>
-              <a:t>6/26/2019</a:t>
+              <a:t>6/27/2019</a:t>
             </a:fld>
             <a:endParaRPr lang="en-US"/>
           </a:p>
@@ -4733,9 +5488,9 @@
             <a:lvl1pPr algn="l">
               <a:defRPr sz="1050">
                 <a:solidFill>
-                  <a:schemeClr val="tx2">
-                    <a:lumMod val="20000"/>
-                    <a:lumOff val="80000"/>
+                  <a:schemeClr val="accent1">
+                    <a:lumMod val="40000"/>
+                    <a:lumOff val="60000"/>
                   </a:schemeClr>
                 </a:solidFill>
               </a:defRPr>
@@ -4773,11 +5528,12 @@
             <a:lvl1pPr algn="ctr">
               <a:defRPr sz="3600">
                 <a:solidFill>
-                  <a:schemeClr val="tx2">
+                  <a:schemeClr val="accent1">
                     <a:lumMod val="60000"/>
                     <a:lumOff val="40000"/>
                   </a:schemeClr>
                 </a:solidFill>
+                <a:latin typeface="+mj-lt"/>
               </a:defRPr>
             </a:lvl1pPr>
           </a:lstStyle>
@@ -4793,23 +5549,23 @@
     </p:spTree>
     <p:extLst>
       <p:ext uri="{BB962C8B-B14F-4D97-AF65-F5344CB8AC3E}">
-        <p14:creationId xmlns:p14="http://schemas.microsoft.com/office/powerpoint/2010/main" val="2939970571"/>
+        <p14:creationId xmlns:p14="http://schemas.microsoft.com/office/powerpoint/2010/main" val="1501101112"/>
       </p:ext>
     </p:extLst>
   </p:cSld>
   <p:clrMap bg1="lt1" tx1="dk1" bg2="lt2" tx2="dk2" accent1="accent1" accent2="accent2" accent3="accent3" accent4="accent4" accent5="accent5" accent6="accent6" hlink="hlink" folHlink="folHlink"/>
   <p:sldLayoutIdLst>
-    <p:sldLayoutId id="2147483709" r:id="rId1"/>
-    <p:sldLayoutId id="2147483710" r:id="rId2"/>
-    <p:sldLayoutId id="2147483711" r:id="rId3"/>
-    <p:sldLayoutId id="2147483712" r:id="rId4"/>
-    <p:sldLayoutId id="2147483713" r:id="rId5"/>
-    <p:sldLayoutId id="2147483714" r:id="rId6"/>
-    <p:sldLayoutId id="2147483715" r:id="rId7"/>
-    <p:sldLayoutId id="2147483716" r:id="rId8"/>
-    <p:sldLayoutId id="2147483717" r:id="rId9"/>
-    <p:sldLayoutId id="2147483718" r:id="rId10"/>
-    <p:sldLayoutId id="2147483719" r:id="rId11"/>
+    <p:sldLayoutId id="2147483721" r:id="rId1"/>
+    <p:sldLayoutId id="2147483722" r:id="rId2"/>
+    <p:sldLayoutId id="2147483723" r:id="rId3"/>
+    <p:sldLayoutId id="2147483724" r:id="rId4"/>
+    <p:sldLayoutId id="2147483725" r:id="rId5"/>
+    <p:sldLayoutId id="2147483726" r:id="rId6"/>
+    <p:sldLayoutId id="2147483727" r:id="rId7"/>
+    <p:sldLayoutId id="2147483728" r:id="rId8"/>
+    <p:sldLayoutId id="2147483729" r:id="rId9"/>
+    <p:sldLayoutId id="2147483730" r:id="rId10"/>
+    <p:sldLayoutId id="2147483731" r:id="rId11"/>
   </p:sldLayoutIdLst>
   <p:txStyles>
     <p:titleStyle>
@@ -4821,9 +5577,9 @@
           <a:spcPct val="0"/>
         </a:spcBef>
         <a:buNone/>
-        <a:defRPr sz="4400" kern="1200" spc="-50" baseline="0">
+        <a:defRPr sz="4400" b="1" kern="1200" spc="-50" baseline="0">
           <a:solidFill>
-            <a:schemeClr val="tx1"/>
+            <a:schemeClr val="accent1"/>
           </a:solidFill>
           <a:latin typeface="+mj-lt"/>
           <a:ea typeface="+mj-ea"/>
@@ -4848,9 +5604,12 @@
         <a:buSzPct val="80000"/>
         <a:buFont typeface="Arial" pitchFamily="34" charset="0"/>
         <a:buChar char="•"/>
-        <a:defRPr sz="1800" kern="1200" spc="10" baseline="0">
+        <a:defRPr sz="2000" kern="1200" spc="10" baseline="0">
           <a:solidFill>
-            <a:schemeClr val="tx1"/>
+            <a:schemeClr val="tx1">
+              <a:lumMod val="65000"/>
+              <a:lumOff val="35000"/>
+            </a:schemeClr>
           </a:solidFill>
           <a:latin typeface="+mn-lt"/>
           <a:ea typeface="+mn-ea"/>
@@ -4872,11 +5631,11 @@
         </a:buClr>
         <a:buFont typeface="Wingdings 2" pitchFamily="18" charset="2"/>
         <a:buChar char=""/>
-        <a:defRPr sz="1600" kern="1200">
+        <a:defRPr sz="1800" kern="1200">
           <a:solidFill>
             <a:schemeClr val="tx1">
-              <a:lumMod val="85000"/>
-              <a:lumOff val="15000"/>
+              <a:lumMod val="65000"/>
+              <a:lumOff val="35000"/>
             </a:schemeClr>
           </a:solidFill>
           <a:latin typeface="+mn-lt"/>
@@ -4899,11 +5658,11 @@
         </a:buClr>
         <a:buFont typeface="Wingdings 2" pitchFamily="18" charset="2"/>
         <a:buChar char=""/>
-        <a:defRPr sz="1400" kern="1200">
+        <a:defRPr sz="1600" kern="1200">
           <a:solidFill>
             <a:schemeClr val="tx1">
-              <a:lumMod val="85000"/>
-              <a:lumOff val="15000"/>
+              <a:lumMod val="65000"/>
+              <a:lumOff val="35000"/>
             </a:schemeClr>
           </a:solidFill>
           <a:latin typeface="+mn-lt"/>
@@ -4929,8 +5688,8 @@
         <a:defRPr sz="1400" kern="1200">
           <a:solidFill>
             <a:schemeClr val="tx1">
-              <a:lumMod val="85000"/>
-              <a:lumOff val="15000"/>
+              <a:lumMod val="65000"/>
+              <a:lumOff val="35000"/>
             </a:schemeClr>
           </a:solidFill>
           <a:latin typeface="+mn-lt"/>
@@ -4956,8 +5715,8 @@
         <a:defRPr sz="1400" kern="1200">
           <a:solidFill>
             <a:schemeClr val="tx1">
-              <a:lumMod val="85000"/>
-              <a:lumOff val="15000"/>
+              <a:lumMod val="65000"/>
+              <a:lumOff val="35000"/>
             </a:schemeClr>
           </a:solidFill>
           <a:latin typeface="+mn-lt"/>
@@ -4983,8 +5742,8 @@
         <a:defRPr sz="1400" kern="1200">
           <a:solidFill>
             <a:schemeClr val="tx1">
-              <a:lumMod val="85000"/>
-              <a:lumOff val="15000"/>
+              <a:lumMod val="65000"/>
+              <a:lumOff val="35000"/>
             </a:schemeClr>
           </a:solidFill>
           <a:latin typeface="+mn-lt"/>
@@ -5010,8 +5769,8 @@
         <a:defRPr sz="1400" kern="1200">
           <a:solidFill>
             <a:schemeClr val="tx1">
-              <a:lumMod val="85000"/>
-              <a:lumOff val="15000"/>
+              <a:lumMod val="65000"/>
+              <a:lumOff val="35000"/>
             </a:schemeClr>
           </a:solidFill>
           <a:latin typeface="+mn-lt"/>
@@ -5037,8 +5796,8 @@
         <a:defRPr sz="1400" kern="1200">
           <a:solidFill>
             <a:schemeClr val="tx1">
-              <a:lumMod val="85000"/>
-              <a:lumOff val="15000"/>
+              <a:lumMod val="65000"/>
+              <a:lumOff val="35000"/>
             </a:schemeClr>
           </a:solidFill>
           <a:latin typeface="+mn-lt"/>
@@ -5064,8 +5823,8 @@
         <a:defRPr sz="1400" kern="1200">
           <a:solidFill>
             <a:schemeClr val="tx1">
-              <a:lumMod val="85000"/>
-              <a:lumOff val="15000"/>
+              <a:lumMod val="65000"/>
+              <a:lumOff val="35000"/>
             </a:schemeClr>
           </a:solidFill>
           <a:latin typeface="+mn-lt"/>
@@ -5510,52 +6269,52 @@
           <a:lstStyle/>
           <a:p>
             <a:r>
-              <a:rPr lang="de-DE" sz="2000" dirty="0"/>
+              <a:rPr lang="de-DE" sz="2400" dirty="0"/>
               <a:t>Abbildung Analoges Parkhaus</a:t>
             </a:r>
           </a:p>
           <a:p>
             <a:pPr lvl="1"/>
             <a:r>
-              <a:rPr lang="de-DE" sz="1800" dirty="0"/>
+              <a:rPr lang="de-DE" sz="2400" dirty="0"/>
               <a:t>Kassenautomat Zugriff auf Preislisten -&gt; Preise berechnen</a:t>
             </a:r>
           </a:p>
           <a:p>
             <a:pPr lvl="1"/>
             <a:r>
-              <a:rPr lang="de-DE" sz="1800" dirty="0"/>
+              <a:rPr lang="de-DE" sz="2400" dirty="0"/>
               <a:t>Schranke Tickets entgegennehmen</a:t>
             </a:r>
           </a:p>
           <a:p>
             <a:pPr lvl="1"/>
             <a:r>
-              <a:rPr lang="de-DE" sz="1800" dirty="0"/>
+              <a:rPr lang="de-DE" sz="2400" dirty="0"/>
               <a:t>Abonnent</a:t>
             </a:r>
           </a:p>
           <a:p>
             <a:pPr lvl="1"/>
-            <a:endParaRPr lang="de-DE" sz="1800" dirty="0"/>
-          </a:p>
-          <a:p>
-            <a:r>
-              <a:rPr lang="de-DE" sz="2000" dirty="0"/>
+            <a:endParaRPr lang="de-DE" sz="2400" dirty="0"/>
+          </a:p>
+          <a:p>
+            <a:r>
+              <a:rPr lang="de-DE" sz="2400" dirty="0"/>
               <a:t>Digitale Erweiterung</a:t>
             </a:r>
           </a:p>
           <a:p>
             <a:pPr lvl="1"/>
             <a:r>
-              <a:rPr lang="de-DE" sz="1800" dirty="0"/>
+              <a:rPr lang="de-DE" sz="2400" dirty="0"/>
               <a:t>Manager -&gt; Einnahmen über Geparkte Autos</a:t>
             </a:r>
           </a:p>
           <a:p>
             <a:pPr lvl="1"/>
             <a:r>
-              <a:rPr lang="de-DE" sz="1800" dirty="0"/>
+              <a:rPr lang="de-DE" sz="2400" dirty="0"/>
               <a:t>Statistik System -&gt; Nutzverhalten aufzeichnen</a:t>
             </a:r>
             <a:br>
@@ -5598,67 +6357,6 @@
           <a:chExt cx="0" cy="0"/>
         </a:xfrm>
       </p:grpSpPr>
-      <p:sp>
-        <p:nvSpPr>
-          <p:cNvPr id="2" name="Titel 1">
-            <a:extLst>
-              <a:ext uri="{FF2B5EF4-FFF2-40B4-BE49-F238E27FC236}">
-                <a16:creationId xmlns:a16="http://schemas.microsoft.com/office/drawing/2014/main" id="{EAF26871-93BF-482D-A289-FA9DD8048341}"/>
-              </a:ext>
-            </a:extLst>
-          </p:cNvPr>
-          <p:cNvSpPr>
-            <a:spLocks noGrp="1"/>
-          </p:cNvSpPr>
-          <p:nvPr>
-            <p:ph type="title"/>
-          </p:nvPr>
-        </p:nvSpPr>
-        <p:spPr/>
-        <p:txBody>
-          <a:bodyPr/>
-          <a:lstStyle/>
-          <a:p>
-            <a:endParaRPr lang="en-US" dirty="0"/>
-          </a:p>
-        </p:txBody>
-      </p:sp>
-      <p:sp>
-        <p:nvSpPr>
-          <p:cNvPr id="6" name="Textfeld 5">
-            <a:extLst>
-              <a:ext uri="{FF2B5EF4-FFF2-40B4-BE49-F238E27FC236}">
-                <a16:creationId xmlns:a16="http://schemas.microsoft.com/office/drawing/2014/main" id="{3D31996B-CF9E-4A7E-8682-8E1621A9A001}"/>
-              </a:ext>
-            </a:extLst>
-          </p:cNvPr>
-          <p:cNvSpPr txBox="1"/>
-          <p:nvPr/>
-        </p:nvSpPr>
-        <p:spPr>
-          <a:xfrm rot="10800000" flipH="1" flipV="1">
-            <a:off x="459889" y="181094"/>
-            <a:ext cx="2478259" cy="369332"/>
-          </a:xfrm>
-          <a:prstGeom prst="rect">
-            <a:avLst/>
-          </a:prstGeom>
-          <a:noFill/>
-        </p:spPr>
-        <p:txBody>
-          <a:bodyPr wrap="square" rtlCol="0">
-            <a:spAutoFit/>
-          </a:bodyPr>
-          <a:lstStyle/>
-          <a:p>
-            <a:r>
-              <a:rPr lang="en-US" dirty="0" err="1"/>
-              <a:t>Klassendiagramm</a:t>
-            </a:r>
-            <a:endParaRPr lang="en-US" dirty="0"/>
-          </a:p>
-        </p:txBody>
-      </p:sp>
       <p:pic>
         <p:nvPicPr>
           <p:cNvPr id="10" name="Inhaltsplatzhalter 9" descr="Ein Bild, das Text, Karte enthält.&#10;&#10;Automatisch generierte Beschreibung">
@@ -5689,11 +6387,45 @@
         </p:blipFill>
         <p:spPr>
           <a:xfrm>
-            <a:off x="158274" y="550426"/>
+            <a:off x="158274" y="901701"/>
             <a:ext cx="11875451" cy="5956299"/>
           </a:xfrm>
         </p:spPr>
       </p:pic>
+      <p:sp>
+        <p:nvSpPr>
+          <p:cNvPr id="2" name="Titel 1">
+            <a:extLst>
+              <a:ext uri="{FF2B5EF4-FFF2-40B4-BE49-F238E27FC236}">
+                <a16:creationId xmlns:a16="http://schemas.microsoft.com/office/drawing/2014/main" id="{EAF26871-93BF-482D-A289-FA9DD8048341}"/>
+              </a:ext>
+            </a:extLst>
+          </p:cNvPr>
+          <p:cNvSpPr>
+            <a:spLocks noGrp="1"/>
+          </p:cNvSpPr>
+          <p:nvPr>
+            <p:ph type="title"/>
+          </p:nvPr>
+        </p:nvSpPr>
+        <p:spPr>
+          <a:xfrm>
+            <a:off x="421213" y="104518"/>
+            <a:ext cx="9692640" cy="797183"/>
+          </a:xfrm>
+        </p:spPr>
+        <p:txBody>
+          <a:bodyPr/>
+          <a:lstStyle/>
+          <a:p>
+            <a:r>
+              <a:rPr lang="en-US" dirty="0" err="1"/>
+              <a:t>Klassendiagramm</a:t>
+            </a:r>
+            <a:endParaRPr lang="en-US" dirty="0"/>
+          </a:p>
+        </p:txBody>
+      </p:sp>
     </p:spTree>
     <p:extLst>
       <p:ext uri="{BB962C8B-B14F-4D97-AF65-F5344CB8AC3E}">
@@ -5740,7 +6472,12 @@
             <p:ph type="title"/>
           </p:nvPr>
         </p:nvSpPr>
-        <p:spPr/>
+        <p:spPr>
+          <a:xfrm>
+            <a:off x="1261872" y="294198"/>
+            <a:ext cx="9692640" cy="900421"/>
+          </a:xfrm>
+        </p:spPr>
         <p:txBody>
           <a:bodyPr/>
           <a:lstStyle/>
@@ -5783,8 +6520,8 @@
         </p:blipFill>
         <p:spPr>
           <a:xfrm>
-            <a:off x="2882009" y="1719950"/>
-            <a:ext cx="6427981" cy="4772290"/>
+            <a:off x="2882711" y="1910336"/>
+            <a:ext cx="6426577" cy="4771247"/>
           </a:xfrm>
         </p:spPr>
       </p:pic>
@@ -5870,219 +6607,90 @@
         <p:spPr/>
         <p:txBody>
           <a:bodyPr>
-            <a:normAutofit fontScale="70000" lnSpcReduction="20000"/>
+            <a:normAutofit/>
           </a:bodyPr>
           <a:lstStyle/>
           <a:p>
             <a:r>
-              <a:rPr lang="en-US" dirty="0"/>
+              <a:rPr lang="en-US" sz="2400" b="1" dirty="0"/>
               <a:t>Single Responsibility</a:t>
             </a:r>
           </a:p>
           <a:p>
             <a:r>
-              <a:rPr lang="en-US" dirty="0"/>
+              <a:rPr lang="en-US" sz="2400" dirty="0"/>
               <a:t>Open Closed Principle</a:t>
             </a:r>
           </a:p>
           <a:p>
             <a:r>
-              <a:rPr lang="en-US" dirty="0"/>
+              <a:rPr lang="en-US" sz="2400" b="1" dirty="0" err="1"/>
+              <a:t>Liskovsches</a:t>
+            </a:r>
+            <a:r>
+              <a:rPr lang="en-US" sz="2400" b="1" dirty="0"/>
+              <a:t> </a:t>
+            </a:r>
+            <a:r>
+              <a:rPr lang="en-US" sz="2400" b="1" dirty="0" err="1"/>
+              <a:t>Substitutionsprinzip</a:t>
+            </a:r>
+            <a:r>
+              <a:rPr lang="en-US" sz="2400" b="1" dirty="0"/>
+              <a:t> </a:t>
+            </a:r>
+          </a:p>
+          <a:p>
+            <a:r>
+              <a:rPr lang="en-US" sz="2400" dirty="0"/>
+              <a:t>Dependency Inversion Principle</a:t>
+            </a:r>
+          </a:p>
+          <a:p>
+            <a:r>
+              <a:rPr lang="en-US" sz="2400" b="1" dirty="0"/>
               <a:t>Design by Contract</a:t>
             </a:r>
           </a:p>
           <a:p>
             <a:pPr lvl="1"/>
             <a:r>
-              <a:rPr lang="en-US" dirty="0" err="1"/>
+              <a:rPr lang="en-US" sz="2400" dirty="0" err="1"/>
               <a:t>Parkhaus</a:t>
             </a:r>
             <a:r>
-              <a:rPr lang="en-US" dirty="0"/>
-              <a:t> </a:t>
-            </a:r>
-            <a:r>
-              <a:rPr lang="en-US" dirty="0" err="1"/>
+              <a:rPr lang="en-US" sz="2400" dirty="0"/>
+              <a:t> </a:t>
+            </a:r>
+            <a:r>
+              <a:rPr lang="en-US" sz="2400" dirty="0" err="1"/>
               <a:t>überprüft</a:t>
             </a:r>
             <a:r>
-              <a:rPr lang="en-US" dirty="0"/>
-              <a:t> </a:t>
-            </a:r>
-            <a:r>
-              <a:rPr lang="en-US" dirty="0" err="1"/>
+              <a:rPr lang="en-US" sz="2400" dirty="0"/>
+              <a:t> </a:t>
+            </a:r>
+            <a:r>
+              <a:rPr lang="en-US" sz="2400" dirty="0" err="1"/>
               <a:t>Werte</a:t>
             </a:r>
             <a:r>
-              <a:rPr lang="en-US" dirty="0"/>
+              <a:rPr lang="en-US" sz="2400" dirty="0"/>
               <a:t> von </a:t>
             </a:r>
             <a:r>
-              <a:rPr lang="en-US" dirty="0" err="1"/>
+              <a:rPr lang="en-US" sz="2400" dirty="0" err="1"/>
               <a:t>Parkdecks</a:t>
             </a:r>
             <a:r>
-              <a:rPr lang="en-US" dirty="0"/>
-              <a:t> </a:t>
-            </a:r>
-            <a:r>
-              <a:rPr lang="en-US" dirty="0" err="1"/>
+              <a:rPr lang="en-US" sz="2400" dirty="0"/>
+              <a:t> </a:t>
+            </a:r>
+            <a:r>
+              <a:rPr lang="en-US" sz="2400" dirty="0" err="1"/>
               <a:t>nicht</a:t>
             </a:r>
-            <a:endParaRPr lang="en-US" dirty="0"/>
-          </a:p>
-          <a:p>
-            <a:r>
-              <a:rPr lang="en-US" dirty="0" err="1"/>
-              <a:t>Funktionale</a:t>
-            </a:r>
-            <a:r>
-              <a:rPr lang="en-US" dirty="0"/>
-              <a:t> </a:t>
-            </a:r>
-            <a:r>
-              <a:rPr lang="en-US" dirty="0" err="1"/>
-              <a:t>Programmierung</a:t>
-            </a:r>
-            <a:endParaRPr lang="en-US" dirty="0"/>
-          </a:p>
-          <a:p>
-            <a:r>
-              <a:rPr lang="en-US" dirty="0" err="1"/>
-              <a:t>Evolvierbarkeit</a:t>
-            </a:r>
-            <a:endParaRPr lang="en-US" dirty="0"/>
-          </a:p>
-          <a:p>
-            <a:r>
-              <a:rPr lang="en-US" dirty="0"/>
-              <a:t>DRY </a:t>
-            </a:r>
-            <a:r>
-              <a:rPr lang="en-US" dirty="0" err="1"/>
-              <a:t>vermeidung</a:t>
-            </a:r>
-            <a:r>
-              <a:rPr lang="en-US" dirty="0"/>
-              <a:t> von </a:t>
-            </a:r>
-            <a:r>
-              <a:rPr lang="en-US" dirty="0" err="1"/>
-              <a:t>redundanzen</a:t>
-            </a:r>
-            <a:endParaRPr lang="en-US" dirty="0"/>
-          </a:p>
-          <a:p>
-            <a:r>
-              <a:rPr lang="en-US" dirty="0"/>
-              <a:t>Single </a:t>
-            </a:r>
-            <a:r>
-              <a:rPr lang="en-US" dirty="0" err="1"/>
-              <a:t>Responsipility</a:t>
-            </a:r>
-            <a:r>
-              <a:rPr lang="en-US" dirty="0"/>
-              <a:t> Principle in den </a:t>
-            </a:r>
-            <a:r>
-              <a:rPr lang="en-US" dirty="0" err="1"/>
-              <a:t>klassen</a:t>
-            </a:r>
-            <a:endParaRPr lang="en-US" dirty="0"/>
-          </a:p>
-          <a:p>
-            <a:r>
-              <a:rPr lang="en-US" dirty="0"/>
-              <a:t> </a:t>
-            </a:r>
-            <a:r>
-              <a:rPr lang="en-US" dirty="0" err="1"/>
-              <a:t>eine</a:t>
-            </a:r>
-            <a:r>
-              <a:rPr lang="en-US" dirty="0"/>
-              <a:t> </a:t>
-            </a:r>
-            <a:r>
-              <a:rPr lang="en-US" dirty="0" err="1"/>
-              <a:t>verantworklichkeit</a:t>
-            </a:r>
-            <a:r>
-              <a:rPr lang="en-US" dirty="0"/>
-              <a:t> pro </a:t>
-            </a:r>
-            <a:r>
-              <a:rPr lang="en-US" dirty="0" err="1"/>
-              <a:t>klasse</a:t>
-            </a:r>
-            <a:r>
-              <a:rPr lang="en-US" dirty="0"/>
-              <a:t> </a:t>
-            </a:r>
-            <a:r>
-              <a:rPr lang="en-US" dirty="0" err="1"/>
-              <a:t>nur</a:t>
-            </a:r>
-            <a:r>
-              <a:rPr lang="en-US" dirty="0"/>
-              <a:t> </a:t>
-            </a:r>
-            <a:r>
-              <a:rPr lang="en-US" dirty="0" err="1"/>
-              <a:t>ein</a:t>
-            </a:r>
-            <a:r>
-              <a:rPr lang="en-US" dirty="0"/>
-              <a:t> </a:t>
-            </a:r>
-            <a:r>
-              <a:rPr lang="en-US" dirty="0" err="1"/>
-              <a:t>thema</a:t>
-            </a:r>
-            <a:r>
-              <a:rPr lang="en-US" dirty="0"/>
-              <a:t>, </a:t>
-            </a:r>
-            <a:r>
-              <a:rPr lang="en-US" dirty="0" err="1"/>
-              <a:t>einfachheit</a:t>
-            </a:r>
-            <a:r>
-              <a:rPr lang="en-US" dirty="0"/>
-              <a:t>-&gt; </a:t>
-            </a:r>
-            <a:r>
-              <a:rPr lang="en-US" dirty="0" err="1"/>
-              <a:t>Zerlegung</a:t>
-            </a:r>
-            <a:r>
-              <a:rPr lang="en-US" dirty="0"/>
-              <a:t> von Klassen</a:t>
-            </a:r>
-          </a:p>
-          <a:p>
-            <a:endParaRPr lang="en-US" dirty="0"/>
-          </a:p>
-          <a:p>
-            <a:r>
-              <a:rPr lang="en-US" dirty="0"/>
-              <a:t>Patterns singleton </a:t>
-            </a:r>
-            <a:r>
-              <a:rPr lang="en-US" dirty="0" err="1"/>
-              <a:t>emuns</a:t>
-            </a:r>
-            <a:endParaRPr lang="en-US" dirty="0"/>
-          </a:p>
-          <a:p>
-            <a:endParaRPr lang="en-US" dirty="0"/>
-          </a:p>
-          <a:p>
-            <a:r>
-              <a:rPr lang="en-US" dirty="0"/>
-              <a:t>	</a:t>
-            </a:r>
+            <a:endParaRPr lang="en-US" sz="2400" dirty="0"/>
           </a:p>
         </p:txBody>
       </p:sp>
@@ -6121,6 +6729,227 @@
           <p:cNvPr id="2" name="Titel 1">
             <a:extLst>
               <a:ext uri="{FF2B5EF4-FFF2-40B4-BE49-F238E27FC236}">
+                <a16:creationId xmlns:a16="http://schemas.microsoft.com/office/drawing/2014/main" id="{9C28C0DC-E549-4915-B289-0EA0CB0D5FCF}"/>
+              </a:ext>
+            </a:extLst>
+          </p:cNvPr>
+          <p:cNvSpPr>
+            <a:spLocks noGrp="1"/>
+          </p:cNvSpPr>
+          <p:nvPr>
+            <p:ph type="title"/>
+          </p:nvPr>
+        </p:nvSpPr>
+        <p:spPr/>
+        <p:txBody>
+          <a:bodyPr/>
+          <a:lstStyle/>
+          <a:p>
+            <a:endParaRPr lang="en-US" dirty="0"/>
+          </a:p>
+        </p:txBody>
+      </p:sp>
+      <p:sp>
+        <p:nvSpPr>
+          <p:cNvPr id="3" name="Inhaltsplatzhalter 2">
+            <a:extLst>
+              <a:ext uri="{FF2B5EF4-FFF2-40B4-BE49-F238E27FC236}">
+                <a16:creationId xmlns:a16="http://schemas.microsoft.com/office/drawing/2014/main" id="{6E687B44-F229-4935-9CB0-1084094B7F61}"/>
+              </a:ext>
+            </a:extLst>
+          </p:cNvPr>
+          <p:cNvSpPr>
+            <a:spLocks noGrp="1"/>
+          </p:cNvSpPr>
+          <p:nvPr>
+            <p:ph idx="1"/>
+          </p:nvPr>
+        </p:nvSpPr>
+        <p:spPr/>
+        <p:txBody>
+          <a:bodyPr/>
+          <a:lstStyle/>
+          <a:p>
+            <a:r>
+              <a:rPr lang="en-US" dirty="0" err="1"/>
+              <a:t>Funktionale</a:t>
+            </a:r>
+            <a:r>
+              <a:rPr lang="en-US" dirty="0"/>
+              <a:t> </a:t>
+            </a:r>
+            <a:r>
+              <a:rPr lang="en-US" dirty="0" err="1"/>
+              <a:t>Programmierung</a:t>
+            </a:r>
+            <a:endParaRPr lang="en-US" dirty="0"/>
+          </a:p>
+          <a:p>
+            <a:r>
+              <a:rPr lang="en-US" dirty="0" err="1"/>
+              <a:t>Evolvierbarkeit</a:t>
+            </a:r>
+            <a:endParaRPr lang="en-US" dirty="0"/>
+          </a:p>
+          <a:p>
+            <a:r>
+              <a:rPr lang="en-US" dirty="0"/>
+              <a:t>DRY </a:t>
+            </a:r>
+            <a:r>
+              <a:rPr lang="en-US" dirty="0" err="1"/>
+              <a:t>vermeidung</a:t>
+            </a:r>
+            <a:r>
+              <a:rPr lang="en-US" dirty="0"/>
+              <a:t> von </a:t>
+            </a:r>
+            <a:r>
+              <a:rPr lang="en-US" dirty="0" err="1"/>
+              <a:t>redundanzen</a:t>
+            </a:r>
+            <a:endParaRPr lang="en-US" dirty="0"/>
+          </a:p>
+          <a:p>
+            <a:r>
+              <a:rPr lang="en-US" dirty="0"/>
+              <a:t>Single </a:t>
+            </a:r>
+            <a:r>
+              <a:rPr lang="en-US" dirty="0" err="1"/>
+              <a:t>Responsipility</a:t>
+            </a:r>
+            <a:r>
+              <a:rPr lang="en-US" dirty="0"/>
+              <a:t> Principle in den </a:t>
+            </a:r>
+            <a:r>
+              <a:rPr lang="en-US" dirty="0" err="1"/>
+              <a:t>klassen</a:t>
+            </a:r>
+            <a:endParaRPr lang="en-US" dirty="0"/>
+          </a:p>
+          <a:p>
+            <a:r>
+              <a:rPr lang="en-US" dirty="0"/>
+              <a:t> 	</a:t>
+            </a:r>
+            <a:r>
+              <a:rPr lang="en-US" dirty="0" err="1"/>
+              <a:t>eine</a:t>
+            </a:r>
+            <a:r>
+              <a:rPr lang="en-US" dirty="0"/>
+              <a:t> </a:t>
+            </a:r>
+            <a:r>
+              <a:rPr lang="en-US" dirty="0" err="1"/>
+              <a:t>verantworklichkeit</a:t>
+            </a:r>
+            <a:r>
+              <a:rPr lang="en-US" dirty="0"/>
+              <a:t> pro </a:t>
+            </a:r>
+            <a:r>
+              <a:rPr lang="en-US" dirty="0" err="1"/>
+              <a:t>klasse</a:t>
+            </a:r>
+            <a:r>
+              <a:rPr lang="en-US" dirty="0"/>
+              <a:t> </a:t>
+            </a:r>
+            <a:r>
+              <a:rPr lang="en-US" dirty="0" err="1"/>
+              <a:t>nur</a:t>
+            </a:r>
+            <a:r>
+              <a:rPr lang="en-US" dirty="0"/>
+              <a:t> </a:t>
+            </a:r>
+            <a:r>
+              <a:rPr lang="en-US" dirty="0" err="1"/>
+              <a:t>ein</a:t>
+            </a:r>
+            <a:r>
+              <a:rPr lang="en-US" dirty="0"/>
+              <a:t> </a:t>
+            </a:r>
+            <a:r>
+              <a:rPr lang="en-US" dirty="0" err="1"/>
+              <a:t>thema</a:t>
+            </a:r>
+            <a:r>
+              <a:rPr lang="en-US" dirty="0"/>
+              <a:t>, </a:t>
+            </a:r>
+            <a:r>
+              <a:rPr lang="en-US" dirty="0" err="1"/>
+              <a:t>einfachheit</a:t>
+            </a:r>
+            <a:r>
+              <a:rPr lang="en-US" dirty="0"/>
+              <a:t>-&gt; </a:t>
+            </a:r>
+            <a:r>
+              <a:rPr lang="en-US" dirty="0" err="1"/>
+              <a:t>Zerlegung</a:t>
+            </a:r>
+            <a:r>
+              <a:rPr lang="en-US" dirty="0"/>
+              <a:t> von Klassen</a:t>
+            </a:r>
+          </a:p>
+          <a:p>
+            <a:endParaRPr lang="en-US" dirty="0"/>
+          </a:p>
+          <a:p>
+            <a:r>
+              <a:rPr lang="en-US" dirty="0"/>
+              <a:t>Patterns singleton </a:t>
+            </a:r>
+            <a:r>
+              <a:rPr lang="en-US" dirty="0" err="1"/>
+              <a:t>enums</a:t>
+            </a:r>
+            <a:endParaRPr lang="en-US" dirty="0"/>
+          </a:p>
+        </p:txBody>
+      </p:sp>
+    </p:spTree>
+    <p:extLst>
+      <p:ext uri="{BB962C8B-B14F-4D97-AF65-F5344CB8AC3E}">
+        <p14:creationId xmlns:p14="http://schemas.microsoft.com/office/powerpoint/2010/main" val="508559619"/>
+      </p:ext>
+    </p:extLst>
+  </p:cSld>
+  <p:clrMapOvr>
+    <a:masterClrMapping/>
+  </p:clrMapOvr>
+</p:sld>
+</file>
+
+<file path=ppt/slides/slide8.xml><?xml version="1.0" encoding="utf-8"?>
+<p:sld xmlns:a="http://schemas.openxmlformats.org/drawingml/2006/main" xmlns:r="http://schemas.openxmlformats.org/officeDocument/2006/relationships" xmlns:p="http://schemas.openxmlformats.org/presentationml/2006/main">
+  <p:cSld>
+    <p:spTree>
+      <p:nvGrpSpPr>
+        <p:cNvPr id="1" name=""/>
+        <p:cNvGrpSpPr/>
+        <p:nvPr/>
+      </p:nvGrpSpPr>
+      <p:grpSpPr>
+        <a:xfrm>
+          <a:off x="0" y="0"/>
+          <a:ext cx="0" cy="0"/>
+          <a:chOff x="0" y="0"/>
+          <a:chExt cx="0" cy="0"/>
+        </a:xfrm>
+      </p:grpSpPr>
+      <p:sp>
+        <p:nvSpPr>
+          <p:cNvPr id="2" name="Titel 1">
+            <a:extLst>
+              <a:ext uri="{FF2B5EF4-FFF2-40B4-BE49-F238E27FC236}">
                 <a16:creationId xmlns:a16="http://schemas.microsoft.com/office/drawing/2014/main" id="{B2D5764F-741B-46F9-96FA-84E9ED034673}"/>
               </a:ext>
             </a:extLst>
@@ -6196,40 +7025,40 @@
   <a:themeElements>
     <a:clrScheme name="Aussicht">
       <a:dk1>
-        <a:srgbClr val="000000"/>
+        <a:sysClr val="windowText" lastClr="000000"/>
       </a:dk1>
       <a:lt1>
-        <a:srgbClr val="FFFFFF"/>
+        <a:sysClr val="window" lastClr="FFFFFF"/>
       </a:lt1>
       <a:dk2>
-        <a:srgbClr val="46464A"/>
+        <a:srgbClr val="696464"/>
       </a:dk2>
       <a:lt2>
-        <a:srgbClr val="D6D3CC"/>
+        <a:srgbClr val="E9E5DC"/>
       </a:lt2>
       <a:accent1>
-        <a:srgbClr val="6F6F74"/>
+        <a:srgbClr val="D34817"/>
       </a:accent1>
       <a:accent2>
-        <a:srgbClr val="92A9B9"/>
+        <a:srgbClr val="9B2D1F"/>
       </a:accent2>
       <a:accent3>
-        <a:srgbClr val="A7B789"/>
+        <a:srgbClr val="A28E6A"/>
       </a:accent3>
       <a:accent4>
-        <a:srgbClr val="B9A489"/>
+        <a:srgbClr val="956251"/>
       </a:accent4>
       <a:accent5>
-        <a:srgbClr val="8D6374"/>
+        <a:srgbClr val="918485"/>
       </a:accent5>
       <a:accent6>
-        <a:srgbClr val="9B7362"/>
+        <a:srgbClr val="855D5D"/>
       </a:accent6>
       <a:hlink>
-        <a:srgbClr val="67AABF"/>
+        <a:srgbClr val="CC9900"/>
       </a:hlink>
       <a:folHlink>
-        <a:srgbClr val="ABAFA5"/>
+        <a:srgbClr val="96A9A9"/>
       </a:folHlink>
     </a:clrScheme>
     <a:fontScheme name="Aussicht">
@@ -6318,7 +7147,7 @@
         <a:solidFill>
           <a:schemeClr val="phClr">
             <a:shade val="75000"/>
-            <a:satMod val="160000"/>
+            <a:satMod val="130000"/>
           </a:schemeClr>
         </a:solidFill>
       </a:fillStyleLst>
@@ -6438,7 +7267,7 @@
   <a:extraClrSchemeLst/>
   <a:extLst>
     <a:ext uri="{05A4C25C-085E-4340-85A3-A5531E510DB2}">
-      <thm15:themeFamily xmlns:thm15="http://schemas.microsoft.com/office/thememl/2012/main" name="View" id="{BA0EB5A6-F2D4-4F82-977B-64ADEE4A2A69}" vid="{3969A8A2-35DB-4E3B-8885-16FD20568674}"/>
+      <thm15:themeFamily xmlns:thm15="http://schemas.microsoft.com/office/thememl/2012/main" name="View" id="{BA0EB5A6-F2D4-4F82-977B-64ADEE4A2A69}" vid="{7B713C7F-58B7-4AE9-B361-B13EB9EC4C0C}"/>
     </a:ext>
   </a:extLst>
 </a:theme>
